--- a/Journals/Christen_Journal#2.pptx
+++ b/Journals/Christen_Journal#2.pptx
@@ -11,7 +11,6 @@
     <p:sldId id="274" r:id="rId5"/>
     <p:sldId id="275" r:id="rId6"/>
     <p:sldId id="270" r:id="rId7"/>
-    <p:sldId id="276" r:id="rId8"/>
   </p:sldIdLst>
   <p:sldSz cx="12192000" cy="6858000"/>
   <p:notesSz cx="6858000" cy="9144000"/>
@@ -521,7 +520,7 @@
           <a:p>
             <a:fld id="{0AF9C11A-D3E2-482F-9058-1C6E88497CC3}" type="datetimeFigureOut">
               <a:rPr lang="en-US" smtClean="0"/>
-              <a:t>07/11/2024</a:t>
+              <a:t>08/11/2024</a:t>
             </a:fld>
             <a:endParaRPr lang="en-US"/>
           </a:p>
@@ -700,7 +699,7 @@
           <a:p>
             <a:fld id="{0AF9C11A-D3E2-482F-9058-1C6E88497CC3}" type="datetimeFigureOut">
               <a:rPr lang="en-US" smtClean="0"/>
-              <a:t>07/11/2024</a:t>
+              <a:t>08/11/2024</a:t>
             </a:fld>
             <a:endParaRPr lang="en-US"/>
           </a:p>
@@ -880,7 +879,7 @@
           <a:p>
             <a:fld id="{0AF9C11A-D3E2-482F-9058-1C6E88497CC3}" type="datetimeFigureOut">
               <a:rPr lang="en-US" smtClean="0"/>
-              <a:t>07/11/2024</a:t>
+              <a:t>08/11/2024</a:t>
             </a:fld>
             <a:endParaRPr lang="en-US"/>
           </a:p>
@@ -1050,7 +1049,7 @@
           <a:p>
             <a:fld id="{0AF9C11A-D3E2-482F-9058-1C6E88497CC3}" type="datetimeFigureOut">
               <a:rPr lang="en-US" smtClean="0"/>
-              <a:t>07/11/2024</a:t>
+              <a:t>08/11/2024</a:t>
             </a:fld>
             <a:endParaRPr lang="en-US"/>
           </a:p>
@@ -1363,7 +1362,7 @@
           <a:p>
             <a:fld id="{0AF9C11A-D3E2-482F-9058-1C6E88497CC3}" type="datetimeFigureOut">
               <a:rPr lang="en-US" smtClean="0"/>
-              <a:t>07/11/2024</a:t>
+              <a:t>08/11/2024</a:t>
             </a:fld>
             <a:endParaRPr lang="en-US"/>
           </a:p>
@@ -1749,7 +1748,7 @@
           <a:p>
             <a:fld id="{0AF9C11A-D3E2-482F-9058-1C6E88497CC3}" type="datetimeFigureOut">
               <a:rPr lang="en-US" smtClean="0"/>
-              <a:t>07/11/2024</a:t>
+              <a:t>08/11/2024</a:t>
             </a:fld>
             <a:endParaRPr lang="en-US"/>
           </a:p>
@@ -2183,7 +2182,7 @@
           <a:p>
             <a:fld id="{0AF9C11A-D3E2-482F-9058-1C6E88497CC3}" type="datetimeFigureOut">
               <a:rPr lang="en-US" smtClean="0"/>
-              <a:t>07/11/2024</a:t>
+              <a:t>08/11/2024</a:t>
             </a:fld>
             <a:endParaRPr lang="en-US"/>
           </a:p>
@@ -2301,7 +2300,7 @@
           <a:p>
             <a:fld id="{0AF9C11A-D3E2-482F-9058-1C6E88497CC3}" type="datetimeFigureOut">
               <a:rPr lang="en-US" smtClean="0"/>
-              <a:t>07/11/2024</a:t>
+              <a:t>08/11/2024</a:t>
             </a:fld>
             <a:endParaRPr lang="en-US"/>
           </a:p>
@@ -2396,7 +2395,7 @@
           <a:p>
             <a:fld id="{0AF9C11A-D3E2-482F-9058-1C6E88497CC3}" type="datetimeFigureOut">
               <a:rPr lang="en-US" smtClean="0"/>
-              <a:t>07/11/2024</a:t>
+              <a:t>08/11/2024</a:t>
             </a:fld>
             <a:endParaRPr lang="en-US"/>
           </a:p>
@@ -2746,7 +2745,7 @@
           <a:p>
             <a:fld id="{0AF9C11A-D3E2-482F-9058-1C6E88497CC3}" type="datetimeFigureOut">
               <a:rPr lang="en-US" smtClean="0"/>
-              <a:t>07/11/2024</a:t>
+              <a:t>08/11/2024</a:t>
             </a:fld>
             <a:endParaRPr lang="en-US"/>
           </a:p>
@@ -3171,7 +3170,7 @@
           <a:p>
             <a:fld id="{0AF9C11A-D3E2-482F-9058-1C6E88497CC3}" type="datetimeFigureOut">
               <a:rPr lang="en-US" smtClean="0"/>
-              <a:t>07/11/2024</a:t>
+              <a:t>08/11/2024</a:t>
             </a:fld>
             <a:endParaRPr lang="en-US"/>
           </a:p>
@@ -3452,7 +3451,7 @@
           <a:p>
             <a:fld id="{0AF9C11A-D3E2-482F-9058-1C6E88497CC3}" type="datetimeFigureOut">
               <a:rPr lang="en-US" smtClean="0"/>
-              <a:t>07/11/2024</a:t>
+              <a:t>08/11/2024</a:t>
             </a:fld>
             <a:endParaRPr lang="en-US"/>
           </a:p>
@@ -4201,25 +4200,25 @@
         </p:nvSpPr>
         <p:spPr>
           <a:xfrm>
-            <a:off x="838200" y="918972"/>
-            <a:ext cx="6711696" cy="5020056"/>
+            <a:off x="838200" y="565608"/>
+            <a:ext cx="6711696" cy="5854046"/>
           </a:xfrm>
         </p:spPr>
         <p:txBody>
           <a:bodyPr>
-            <a:normAutofit lnSpcReduction="10000"/>
+            <a:normAutofit/>
           </a:bodyPr>
           <a:lstStyle/>
           <a:p>
             <a:r>
               <a:rPr lang="en-US" dirty="0"/>
-              <a:t>After finishing the second page’s layout, I started coding the HTML sections and styling at the same time for each section.</a:t>
+              <a:t>After finishing the layout of the second page, I started coding the HTML sections and styling at the same time for each section.</a:t>
             </a:r>
           </a:p>
           <a:p>
             <a:r>
               <a:rPr lang="en-US" dirty="0"/>
-              <a:t>Using SASS I was planning to separate CSS to make templates and use it through my project, but it didn’t work, so I decided to create separated style sheet for each page</a:t>
+              <a:t>Using SASS I planned to separate CSS into templates and use it throughout the project, but it didn’t work as expected, so I decided to create separated style sheet for each page</a:t>
             </a:r>
           </a:p>
           <a:p>
@@ -4237,7 +4236,7 @@
           <a:p>
             <a:r>
               <a:rPr lang="en-US" dirty="0"/>
-              <a:t>After finishing the coding I stared doing the responsive part for the second page.</a:t>
+              <a:t>After completing the coding, I stared doing the responsive design for the second page.</a:t>
             </a:r>
           </a:p>
           <a:p>
@@ -4348,46 +4347,31 @@
         </p:spPr>
         <p:txBody>
           <a:bodyPr>
-            <a:normAutofit/>
+            <a:normAutofit lnSpcReduction="10000"/>
           </a:bodyPr>
           <a:lstStyle/>
           <a:p>
-            <a:pPr marL="0" indent="0">
-              <a:buNone/>
-            </a:pPr>
             <a:r>
               <a:rPr lang="en-US" dirty="0"/>
-              <a:t>I was planning to template the styling sheet and separate files to easily reuse it, but after facing problems and having guidance, I changed to use one style sheet for each page.</a:t>
-            </a:r>
-          </a:p>
-          <a:p>
-            <a:pPr marL="0" indent="0">
-              <a:buNone/>
-            </a:pPr>
+              <a:t>I planned to template the styling sheet and separate files to easily reuse it, but after facing problems and having guidance, I changed to use one style sheet for each page.</a:t>
+            </a:r>
+          </a:p>
+          <a:p>
             <a:endParaRPr lang="en-US" dirty="0"/>
           </a:p>
           <a:p>
-            <a:pPr marL="0" indent="0">
-              <a:buNone/>
-            </a:pPr>
             <a:r>
               <a:rPr lang="en-US" dirty="0"/>
-              <a:t>I was planning to show 4 projects, but I got the idea of creating the second page for more projects.</a:t>
-            </a:r>
-          </a:p>
-          <a:p>
-            <a:pPr marL="0" indent="0">
-              <a:buNone/>
-            </a:pPr>
+              <a:t>I planned to show 4 projects, but I got the idea of creating the second page for more projects and added other projects to the second page.</a:t>
+            </a:r>
+          </a:p>
+          <a:p>
             <a:endParaRPr lang="en-US" dirty="0"/>
           </a:p>
           <a:p>
-            <a:pPr marL="0" indent="0">
-              <a:buNone/>
-            </a:pPr>
             <a:r>
               <a:rPr lang="en-US" dirty="0"/>
-              <a:t>I was planning to implement two pages, the first is the portfolio front-page and the second is the projects page and the contact form, then I decided to separate the contact form in another page to be more organized.</a:t>
+              <a:t>I planned to implement two pages, the first is the portfolio front-page and the second is the projects page and the contact form, then I decided to separate the contact form in another page to be more organized.</a:t>
             </a:r>
           </a:p>
           <a:p>
@@ -4606,8 +4590,8 @@
               <a:buNone/>
             </a:pPr>
             <a:r>
-              <a:rPr lang="en-US" sz="2800" dirty="0"/>
-              <a:t>Use bootstrap library to more control the responsive part and to enhance the visual look</a:t>
+              <a:rPr lang="en-US" sz="2400" dirty="0"/>
+              <a:t>Use bootstrap library to more control the responsive part and to enhance the visual look.</a:t>
             </a:r>
           </a:p>
           <a:p>
@@ -4913,13 +4897,52 @@
             </a:r>
           </a:p>
           <a:p>
+            <a:r>
+              <a:rPr lang="en-US" dirty="0"/>
+              <a:t>I figured out at the middle of the project that I should learn how to separate style sheets files and HTML files before start working on the project. That can help in reusing some common elements and will save time.</a:t>
+            </a:r>
+          </a:p>
+          <a:p>
+            <a:r>
+              <a:rPr lang="en-US" dirty="0"/>
+              <a:t>When doing modifications and adjustments, always create errors and not working element that take time to be fixed.</a:t>
+            </a:r>
+          </a:p>
+          <a:p>
             <a:pPr marL="0" indent="0">
               <a:buNone/>
             </a:pPr>
+            <a:endParaRPr lang="en-US" dirty="0"/>
+          </a:p>
+          <a:p>
+            <a:pPr marL="0" indent="0">
+              <a:buNone/>
+            </a:pPr>
             <a:r>
               <a:rPr lang="en-US" dirty="0"/>
-              <a:t>I figured out at the middle of the project that I should learn how to separate style sheets files and HTML files. That can help in reusing some common elements and will save time.</a:t>
-            </a:r>
+              <a:t>At the last stage of the project, after passing all the stages from choosing the ideas, wireframing, choosing colors, creating layouts, designing and developing, I am able to integrate the tools I’ve learned with the ideas that I decided to implement. And now I am able to manage my time according to the project requirement.</a:t>
+            </a:r>
+          </a:p>
+          <a:p>
+            <a:pPr marL="0" indent="0">
+              <a:buNone/>
+            </a:pPr>
+            <a:r>
+              <a:rPr lang="en-US" dirty="0"/>
+              <a:t>In other course, I learned the Golang, I think if I had more time, I would integrate it into the project.</a:t>
+            </a:r>
+          </a:p>
+          <a:p>
+            <a:pPr marL="0" indent="0">
+              <a:buNone/>
+            </a:pPr>
+            <a:endParaRPr lang="en-US" dirty="0"/>
+          </a:p>
+          <a:p>
+            <a:pPr marL="0" indent="0">
+              <a:buNone/>
+            </a:pPr>
+            <a:endParaRPr lang="en-US" dirty="0"/>
           </a:p>
           <a:p>
             <a:pPr marL="0" indent="0">
@@ -4939,139 +4962,6 @@
     <p:extLst>
       <p:ext uri="{BB962C8B-B14F-4D97-AF65-F5344CB8AC3E}">
         <p14:creationId xmlns:p14="http://schemas.microsoft.com/office/powerpoint/2010/main" val="1460962257"/>
-      </p:ext>
-    </p:extLst>
-  </p:cSld>
-  <p:clrMapOvr>
-    <a:masterClrMapping/>
-  </p:clrMapOvr>
-</p:sld>
-</file>
-
-<file path=ppt/slides/slide7.xml><?xml version="1.0" encoding="utf-8"?>
-<p:sld xmlns:a="http://schemas.openxmlformats.org/drawingml/2006/main" xmlns:r="http://schemas.openxmlformats.org/officeDocument/2006/relationships" xmlns:p="http://schemas.openxmlformats.org/presentationml/2006/main">
-  <p:cSld>
-    <p:spTree>
-      <p:nvGrpSpPr>
-        <p:cNvPr id="1" name="">
-          <a:extLst>
-            <a:ext uri="{FF2B5EF4-FFF2-40B4-BE49-F238E27FC236}">
-              <a16:creationId xmlns:a16="http://schemas.microsoft.com/office/drawing/2014/main" id="{6EDA32E9-70C7-2DF3-9B7C-5484D54851FC}"/>
-            </a:ext>
-          </a:extLst>
-        </p:cNvPr>
-        <p:cNvGrpSpPr/>
-        <p:nvPr/>
-      </p:nvGrpSpPr>
-      <p:grpSpPr>
-        <a:xfrm>
-          <a:off x="0" y="0"/>
-          <a:ext cx="0" cy="0"/>
-          <a:chOff x="0" y="0"/>
-          <a:chExt cx="0" cy="0"/>
-        </a:xfrm>
-      </p:grpSpPr>
-      <p:sp>
-        <p:nvSpPr>
-          <p:cNvPr id="2" name="Title 1">
-            <a:extLst>
-              <a:ext uri="{FF2B5EF4-FFF2-40B4-BE49-F238E27FC236}">
-                <a16:creationId xmlns:a16="http://schemas.microsoft.com/office/drawing/2014/main" id="{81EA030D-C652-27AE-733C-1EDB09ED4C3F}"/>
-              </a:ext>
-            </a:extLst>
-          </p:cNvPr>
-          <p:cNvSpPr>
-            <a:spLocks noGrp="1"/>
-          </p:cNvSpPr>
-          <p:nvPr>
-            <p:ph type="title"/>
-          </p:nvPr>
-        </p:nvSpPr>
-        <p:spPr/>
-        <p:txBody>
-          <a:bodyPr/>
-          <a:lstStyle/>
-          <a:p>
-            <a:r>
-              <a:rPr lang="en-US" dirty="0"/>
-              <a:t>Self-reflection</a:t>
-            </a:r>
-          </a:p>
-        </p:txBody>
-      </p:sp>
-      <p:sp>
-        <p:nvSpPr>
-          <p:cNvPr id="3" name="Content Placeholder 2">
-            <a:extLst>
-              <a:ext uri="{FF2B5EF4-FFF2-40B4-BE49-F238E27FC236}">
-                <a16:creationId xmlns:a16="http://schemas.microsoft.com/office/drawing/2014/main" id="{4F4B1EA2-B72C-23F1-4A8B-FB6EA86FE60D}"/>
-              </a:ext>
-            </a:extLst>
-          </p:cNvPr>
-          <p:cNvSpPr>
-            <a:spLocks noGrp="1"/>
-          </p:cNvSpPr>
-          <p:nvPr>
-            <p:ph idx="1"/>
-          </p:nvPr>
-        </p:nvSpPr>
-        <p:spPr>
-          <a:xfrm>
-            <a:off x="838200" y="685799"/>
-            <a:ext cx="6711696" cy="5786021"/>
-          </a:xfrm>
-        </p:spPr>
-        <p:txBody>
-          <a:bodyPr/>
-          <a:lstStyle/>
-          <a:p>
-            <a:pPr marL="0" indent="0">
-              <a:buNone/>
-            </a:pPr>
-            <a:r>
-              <a:rPr lang="en-US" dirty="0"/>
-              <a:t>The challenges:</a:t>
-            </a:r>
-          </a:p>
-          <a:p>
-            <a:r>
-              <a:rPr lang="en-US" dirty="0"/>
-              <a:t>Creating the design from scratch: to overcome this I did some research to gather references and ideas, and then brainstormed them through Figma. Receiving guidance and feedback helped me make modifications for a better layout. </a:t>
-            </a:r>
-          </a:p>
-          <a:p>
-            <a:pPr marL="0" indent="0">
-              <a:buNone/>
-            </a:pPr>
-            <a:endParaRPr lang="en-US" dirty="0"/>
-          </a:p>
-          <a:p>
-            <a:r>
-              <a:rPr lang="en-US" dirty="0"/>
-              <a:t>Building the homepage layout: my idea was to position some elements absolute. However, it caused some problems in creating the responsive layout. I was able to solve that with using Bootstrap and CSS to be more precise and achieve the desired responsive layout.</a:t>
-            </a:r>
-          </a:p>
-          <a:p>
-            <a:pPr marL="0" indent="0">
-              <a:buNone/>
-            </a:pPr>
-            <a:endParaRPr lang="en-US" dirty="0"/>
-          </a:p>
-          <a:p>
-            <a:pPr marL="0" indent="0">
-              <a:buNone/>
-            </a:pPr>
-            <a:r>
-              <a:rPr lang="en-US" dirty="0"/>
-              <a:t>At this stage, I feel more confident in designing and building layouts. Practicing and identifying the tools and technologies I need to better visualize my ideas. </a:t>
-            </a:r>
-          </a:p>
-        </p:txBody>
-      </p:sp>
-    </p:spTree>
-    <p:extLst>
-      <p:ext uri="{BB962C8B-B14F-4D97-AF65-F5344CB8AC3E}">
-        <p14:creationId xmlns:p14="http://schemas.microsoft.com/office/powerpoint/2010/main" val="3233618802"/>
       </p:ext>
     </p:extLst>
   </p:cSld>
